--- a/files/teaching-resources/monmouthcollege-econ-300/econ-300-lecture-note/ECON300-LEC06.pptx
+++ b/files/teaching-resources/monmouthcollege-econ-300/econ-300-lecture-note/ECON300-LEC06.pptx
@@ -228,7 +228,7 @@
           <a:p>
             <a:fld id="{0E0A6441-4E79-42FF-805B-86C90BDFD38D}" type="datetimeFigureOut">
               <a:rPr lang="en-US" smtClean="0"/>
-              <a:t>9/3/2024</a:t>
+              <a:t>9/18/2024</a:t>
             </a:fld>
             <a:endParaRPr lang="en-US" dirty="0"/>
           </a:p>
@@ -5722,99 +5722,12 @@
           <a:chExt cx="0" cy="0"/>
         </a:xfrm>
       </p:grpSpPr>
-      <p:sp>
-        <p:nvSpPr>
-          <p:cNvPr id="2" name="Date Placeholder 1">
-            <a:extLst>
-              <a:ext uri="{FF2B5EF4-FFF2-40B4-BE49-F238E27FC236}">
-                <a16:creationId xmlns:a16="http://schemas.microsoft.com/office/drawing/2014/main" id="{B47D08F2-5838-6A4E-CDD0-57734C66344F}"/>
-              </a:ext>
-            </a:extLst>
-          </p:cNvPr>
-          <p:cNvSpPr>
-            <a:spLocks noGrp="1"/>
-          </p:cNvSpPr>
-          <p:nvPr>
-            <p:ph type="dt" sz="half" idx="10"/>
-          </p:nvPr>
-        </p:nvSpPr>
-        <p:spPr/>
-        <p:txBody>
-          <a:bodyPr/>
-          <a:lstStyle/>
-          <a:p>
-            <a:r>
-              <a:rPr lang="en-US"/>
-              <a:t>ECON 300</a:t>
-            </a:r>
-            <a:endParaRPr lang="en-US" dirty="0"/>
-          </a:p>
-        </p:txBody>
-      </p:sp>
-      <p:sp>
-        <p:nvSpPr>
-          <p:cNvPr id="3" name="Footer Placeholder 2">
-            <a:extLst>
-              <a:ext uri="{FF2B5EF4-FFF2-40B4-BE49-F238E27FC236}">
-                <a16:creationId xmlns:a16="http://schemas.microsoft.com/office/drawing/2014/main" id="{B9FD34B3-2355-A104-876D-5FC5433C05EF}"/>
-              </a:ext>
-            </a:extLst>
-          </p:cNvPr>
-          <p:cNvSpPr>
-            <a:spLocks noGrp="1"/>
-          </p:cNvSpPr>
-          <p:nvPr>
-            <p:ph type="ftr" sz="quarter" idx="11"/>
-          </p:nvPr>
-        </p:nvSpPr>
-        <p:spPr/>
-        <p:txBody>
-          <a:bodyPr/>
-          <a:lstStyle/>
-          <a:p>
-            <a:r>
-              <a:rPr lang="en-US"/>
-              <a:t>DEPARTMENT OF BUSINESS &amp; ECONOMICS</a:t>
-            </a:r>
-            <a:endParaRPr lang="en-US" dirty="0"/>
-          </a:p>
-        </p:txBody>
-      </p:sp>
-      <p:sp>
-        <p:nvSpPr>
-          <p:cNvPr id="4" name="Slide Number Placeholder 3">
-            <a:extLst>
-              <a:ext uri="{FF2B5EF4-FFF2-40B4-BE49-F238E27FC236}">
-                <a16:creationId xmlns:a16="http://schemas.microsoft.com/office/drawing/2014/main" id="{72562E72-B57A-782B-75B5-2724C2AB8C76}"/>
-              </a:ext>
-            </a:extLst>
-          </p:cNvPr>
-          <p:cNvSpPr>
-            <a:spLocks noGrp="1"/>
-          </p:cNvSpPr>
-          <p:nvPr>
-            <p:ph type="sldNum" sz="quarter" idx="12"/>
-          </p:nvPr>
-        </p:nvSpPr>
-        <p:spPr/>
-        <p:txBody>
-          <a:bodyPr/>
-          <a:lstStyle/>
-          <a:p>
-            <a:fld id="{1A980C56-831A-4EAB-9EDE-57C090F4F877}" type="slidenum">
-              <a:rPr lang="en-US" smtClean="0"/>
-              <a:t>13</a:t>
-            </a:fld>
-            <a:endParaRPr lang="en-US" dirty="0"/>
-          </a:p>
-        </p:txBody>
-      </p:sp>
       <p:pic>
         <p:nvPicPr>
-          <p:cNvPr id="6" name="Picture 5">
+          <p:cNvPr id="7" name="Picture 6">
             <a:extLst>
               <a:ext uri="{FF2B5EF4-FFF2-40B4-BE49-F238E27FC236}">
-                <a16:creationId xmlns:a16="http://schemas.microsoft.com/office/drawing/2014/main" id="{6F94B485-20B8-0AF7-F92F-C204DC6C98E2}"/>
+                <a16:creationId xmlns:a16="http://schemas.microsoft.com/office/drawing/2014/main" id="{A0F70B3D-C82E-D109-3E3D-751B8171D26E}"/>
               </a:ext>
             </a:extLst>
           </p:cNvPr>
@@ -5849,6 +5762,93 @@
           </a:prstGeom>
         </p:spPr>
       </p:pic>
+      <p:sp>
+        <p:nvSpPr>
+          <p:cNvPr id="2" name="Date Placeholder 1">
+            <a:extLst>
+              <a:ext uri="{FF2B5EF4-FFF2-40B4-BE49-F238E27FC236}">
+                <a16:creationId xmlns:a16="http://schemas.microsoft.com/office/drawing/2014/main" id="{B47D08F2-5838-6A4E-CDD0-57734C66344F}"/>
+              </a:ext>
+            </a:extLst>
+          </p:cNvPr>
+          <p:cNvSpPr>
+            <a:spLocks noGrp="1"/>
+          </p:cNvSpPr>
+          <p:nvPr>
+            <p:ph type="dt" sz="half" idx="10"/>
+          </p:nvPr>
+        </p:nvSpPr>
+        <p:spPr/>
+        <p:txBody>
+          <a:bodyPr/>
+          <a:lstStyle/>
+          <a:p>
+            <a:r>
+              <a:rPr lang="en-US"/>
+              <a:t>ECON 300</a:t>
+            </a:r>
+            <a:endParaRPr lang="en-US" dirty="0"/>
+          </a:p>
+        </p:txBody>
+      </p:sp>
+      <p:sp>
+        <p:nvSpPr>
+          <p:cNvPr id="3" name="Footer Placeholder 2">
+            <a:extLst>
+              <a:ext uri="{FF2B5EF4-FFF2-40B4-BE49-F238E27FC236}">
+                <a16:creationId xmlns:a16="http://schemas.microsoft.com/office/drawing/2014/main" id="{B9FD34B3-2355-A104-876D-5FC5433C05EF}"/>
+              </a:ext>
+            </a:extLst>
+          </p:cNvPr>
+          <p:cNvSpPr>
+            <a:spLocks noGrp="1"/>
+          </p:cNvSpPr>
+          <p:nvPr>
+            <p:ph type="ftr" sz="quarter" idx="11"/>
+          </p:nvPr>
+        </p:nvSpPr>
+        <p:spPr/>
+        <p:txBody>
+          <a:bodyPr/>
+          <a:lstStyle/>
+          <a:p>
+            <a:r>
+              <a:rPr lang="en-US"/>
+              <a:t>DEPARTMENT OF BUSINESS &amp; ECONOMICS</a:t>
+            </a:r>
+            <a:endParaRPr lang="en-US" dirty="0"/>
+          </a:p>
+        </p:txBody>
+      </p:sp>
+      <p:sp>
+        <p:nvSpPr>
+          <p:cNvPr id="4" name="Slide Number Placeholder 3">
+            <a:extLst>
+              <a:ext uri="{FF2B5EF4-FFF2-40B4-BE49-F238E27FC236}">
+                <a16:creationId xmlns:a16="http://schemas.microsoft.com/office/drawing/2014/main" id="{72562E72-B57A-782B-75B5-2724C2AB8C76}"/>
+              </a:ext>
+            </a:extLst>
+          </p:cNvPr>
+          <p:cNvSpPr>
+            <a:spLocks noGrp="1"/>
+          </p:cNvSpPr>
+          <p:nvPr>
+            <p:ph type="sldNum" sz="quarter" idx="12"/>
+          </p:nvPr>
+        </p:nvSpPr>
+        <p:spPr/>
+        <p:txBody>
+          <a:bodyPr/>
+          <a:lstStyle/>
+          <a:p>
+            <a:fld id="{1A980C56-831A-4EAB-9EDE-57C090F4F877}" type="slidenum">
+              <a:rPr lang="en-US" smtClean="0"/>
+              <a:t>13</a:t>
+            </a:fld>
+            <a:endParaRPr lang="en-US" dirty="0"/>
+          </a:p>
+        </p:txBody>
+      </p:sp>
     </p:spTree>
     <p:extLst>
       <p:ext uri="{BB962C8B-B14F-4D97-AF65-F5344CB8AC3E}">
@@ -7784,99 +7784,12 @@
           <a:chExt cx="0" cy="0"/>
         </a:xfrm>
       </p:grpSpPr>
-      <p:sp>
-        <p:nvSpPr>
-          <p:cNvPr id="2" name="Date Placeholder 1">
-            <a:extLst>
-              <a:ext uri="{FF2B5EF4-FFF2-40B4-BE49-F238E27FC236}">
-                <a16:creationId xmlns:a16="http://schemas.microsoft.com/office/drawing/2014/main" id="{381B8850-4B76-34F3-1723-9AA02C7EC893}"/>
-              </a:ext>
-            </a:extLst>
-          </p:cNvPr>
-          <p:cNvSpPr>
-            <a:spLocks noGrp="1"/>
-          </p:cNvSpPr>
-          <p:nvPr>
-            <p:ph type="dt" sz="half" idx="10"/>
-          </p:nvPr>
-        </p:nvSpPr>
-        <p:spPr/>
-        <p:txBody>
-          <a:bodyPr/>
-          <a:lstStyle/>
-          <a:p>
-            <a:r>
-              <a:rPr lang="en-US"/>
-              <a:t>ECON 300</a:t>
-            </a:r>
-            <a:endParaRPr lang="en-US" dirty="0"/>
-          </a:p>
-        </p:txBody>
-      </p:sp>
-      <p:sp>
-        <p:nvSpPr>
-          <p:cNvPr id="3" name="Footer Placeholder 2">
-            <a:extLst>
-              <a:ext uri="{FF2B5EF4-FFF2-40B4-BE49-F238E27FC236}">
-                <a16:creationId xmlns:a16="http://schemas.microsoft.com/office/drawing/2014/main" id="{4D4542BF-1B59-FF50-34D9-06ABA7B2FEAB}"/>
-              </a:ext>
-            </a:extLst>
-          </p:cNvPr>
-          <p:cNvSpPr>
-            <a:spLocks noGrp="1"/>
-          </p:cNvSpPr>
-          <p:nvPr>
-            <p:ph type="ftr" sz="quarter" idx="11"/>
-          </p:nvPr>
-        </p:nvSpPr>
-        <p:spPr/>
-        <p:txBody>
-          <a:bodyPr/>
-          <a:lstStyle/>
-          <a:p>
-            <a:r>
-              <a:rPr lang="en-US"/>
-              <a:t>DEPARTMENT OF BUSINESS &amp; ECONOMICS</a:t>
-            </a:r>
-            <a:endParaRPr lang="en-US" dirty="0"/>
-          </a:p>
-        </p:txBody>
-      </p:sp>
-      <p:sp>
-        <p:nvSpPr>
-          <p:cNvPr id="4" name="Slide Number Placeholder 3">
-            <a:extLst>
-              <a:ext uri="{FF2B5EF4-FFF2-40B4-BE49-F238E27FC236}">
-                <a16:creationId xmlns:a16="http://schemas.microsoft.com/office/drawing/2014/main" id="{D4884D51-5F38-B7E3-8A90-02ACBA0A4230}"/>
-              </a:ext>
-            </a:extLst>
-          </p:cNvPr>
-          <p:cNvSpPr>
-            <a:spLocks noGrp="1"/>
-          </p:cNvSpPr>
-          <p:nvPr>
-            <p:ph type="sldNum" sz="quarter" idx="12"/>
-          </p:nvPr>
-        </p:nvSpPr>
-        <p:spPr/>
-        <p:txBody>
-          <a:bodyPr/>
-          <a:lstStyle/>
-          <a:p>
-            <a:fld id="{1A980C56-831A-4EAB-9EDE-57C090F4F877}" type="slidenum">
-              <a:rPr lang="en-US" smtClean="0"/>
-              <a:t>18</a:t>
-            </a:fld>
-            <a:endParaRPr lang="en-US" dirty="0"/>
-          </a:p>
-        </p:txBody>
-      </p:sp>
       <p:pic>
         <p:nvPicPr>
-          <p:cNvPr id="6" name="Picture 5">
+          <p:cNvPr id="7" name="Picture 6">
             <a:extLst>
               <a:ext uri="{FF2B5EF4-FFF2-40B4-BE49-F238E27FC236}">
-                <a16:creationId xmlns:a16="http://schemas.microsoft.com/office/drawing/2014/main" id="{06169EFF-E1B0-14C9-E4A7-0BA39F8C896D}"/>
+                <a16:creationId xmlns:a16="http://schemas.microsoft.com/office/drawing/2014/main" id="{50630E20-D2E9-E9C4-67E1-07BDC4F2CCCD}"/>
               </a:ext>
             </a:extLst>
           </p:cNvPr>
@@ -7911,6 +7824,93 @@
           </a:prstGeom>
         </p:spPr>
       </p:pic>
+      <p:sp>
+        <p:nvSpPr>
+          <p:cNvPr id="2" name="Date Placeholder 1">
+            <a:extLst>
+              <a:ext uri="{FF2B5EF4-FFF2-40B4-BE49-F238E27FC236}">
+                <a16:creationId xmlns:a16="http://schemas.microsoft.com/office/drawing/2014/main" id="{381B8850-4B76-34F3-1723-9AA02C7EC893}"/>
+              </a:ext>
+            </a:extLst>
+          </p:cNvPr>
+          <p:cNvSpPr>
+            <a:spLocks noGrp="1"/>
+          </p:cNvSpPr>
+          <p:nvPr>
+            <p:ph type="dt" sz="half" idx="10"/>
+          </p:nvPr>
+        </p:nvSpPr>
+        <p:spPr/>
+        <p:txBody>
+          <a:bodyPr/>
+          <a:lstStyle/>
+          <a:p>
+            <a:r>
+              <a:rPr lang="en-US"/>
+              <a:t>ECON 300</a:t>
+            </a:r>
+            <a:endParaRPr lang="en-US" dirty="0"/>
+          </a:p>
+        </p:txBody>
+      </p:sp>
+      <p:sp>
+        <p:nvSpPr>
+          <p:cNvPr id="3" name="Footer Placeholder 2">
+            <a:extLst>
+              <a:ext uri="{FF2B5EF4-FFF2-40B4-BE49-F238E27FC236}">
+                <a16:creationId xmlns:a16="http://schemas.microsoft.com/office/drawing/2014/main" id="{4D4542BF-1B59-FF50-34D9-06ABA7B2FEAB}"/>
+              </a:ext>
+            </a:extLst>
+          </p:cNvPr>
+          <p:cNvSpPr>
+            <a:spLocks noGrp="1"/>
+          </p:cNvSpPr>
+          <p:nvPr>
+            <p:ph type="ftr" sz="quarter" idx="11"/>
+          </p:nvPr>
+        </p:nvSpPr>
+        <p:spPr/>
+        <p:txBody>
+          <a:bodyPr/>
+          <a:lstStyle/>
+          <a:p>
+            <a:r>
+              <a:rPr lang="en-US"/>
+              <a:t>DEPARTMENT OF BUSINESS &amp; ECONOMICS</a:t>
+            </a:r>
+            <a:endParaRPr lang="en-US" dirty="0"/>
+          </a:p>
+        </p:txBody>
+      </p:sp>
+      <p:sp>
+        <p:nvSpPr>
+          <p:cNvPr id="4" name="Slide Number Placeholder 3">
+            <a:extLst>
+              <a:ext uri="{FF2B5EF4-FFF2-40B4-BE49-F238E27FC236}">
+                <a16:creationId xmlns:a16="http://schemas.microsoft.com/office/drawing/2014/main" id="{D4884D51-5F38-B7E3-8A90-02ACBA0A4230}"/>
+              </a:ext>
+            </a:extLst>
+          </p:cNvPr>
+          <p:cNvSpPr>
+            <a:spLocks noGrp="1"/>
+          </p:cNvSpPr>
+          <p:nvPr>
+            <p:ph type="sldNum" sz="quarter" idx="12"/>
+          </p:nvPr>
+        </p:nvSpPr>
+        <p:spPr/>
+        <p:txBody>
+          <a:bodyPr/>
+          <a:lstStyle/>
+          <a:p>
+            <a:fld id="{1A980C56-831A-4EAB-9EDE-57C090F4F877}" type="slidenum">
+              <a:rPr lang="en-US" smtClean="0"/>
+              <a:t>18</a:t>
+            </a:fld>
+            <a:endParaRPr lang="en-US" dirty="0"/>
+          </a:p>
+        </p:txBody>
+      </p:sp>
     </p:spTree>
     <p:extLst>
       <p:ext uri="{BB962C8B-B14F-4D97-AF65-F5344CB8AC3E}">
@@ -18161,7 +18161,7 @@
                                         <p:tgtEl>
                                           <p:spTgt spid="3">
                                             <p:txEl>
-                                              <p:pRg st="6" end="6"/>
+                                              <p:pRg st="4" end="4"/>
                                             </p:txEl>
                                           </p:spTgt>
                                         </p:tgtEl>
@@ -18179,6 +18179,67 @@
                                         <p:tgtEl>
                                           <p:spTgt spid="3">
                                             <p:txEl>
+                                              <p:pRg st="4" end="4"/>
+                                            </p:txEl>
+                                          </p:spTgt>
+                                        </p:tgtEl>
+                                      </p:cBhvr>
+                                    </p:animEffect>
+                                  </p:childTnLst>
+                                </p:cTn>
+                              </p:par>
+                            </p:childTnLst>
+                          </p:cTn>
+                        </p:par>
+                      </p:childTnLst>
+                    </p:cTn>
+                  </p:par>
+                  <p:par>
+                    <p:cTn id="16" fill="hold">
+                      <p:stCondLst>
+                        <p:cond delay="indefinite"/>
+                      </p:stCondLst>
+                      <p:childTnLst>
+                        <p:par>
+                          <p:cTn id="17" fill="hold">
+                            <p:stCondLst>
+                              <p:cond delay="0"/>
+                            </p:stCondLst>
+                            <p:childTnLst>
+                              <p:par>
+                                <p:cTn id="18" presetID="10" presetClass="entr" presetSubtype="0" fill="hold" nodeType="clickEffect">
+                                  <p:stCondLst>
+                                    <p:cond delay="0"/>
+                                  </p:stCondLst>
+                                  <p:childTnLst>
+                                    <p:set>
+                                      <p:cBhvr>
+                                        <p:cTn id="19" dur="1" fill="hold">
+                                          <p:stCondLst>
+                                            <p:cond delay="0"/>
+                                          </p:stCondLst>
+                                        </p:cTn>
+                                        <p:tgtEl>
+                                          <p:spTgt spid="3">
+                                            <p:txEl>
+                                              <p:pRg st="6" end="6"/>
+                                            </p:txEl>
+                                          </p:spTgt>
+                                        </p:tgtEl>
+                                        <p:attrNameLst>
+                                          <p:attrName>style.visibility</p:attrName>
+                                        </p:attrNameLst>
+                                      </p:cBhvr>
+                                      <p:to>
+                                        <p:strVal val="visible"/>
+                                      </p:to>
+                                    </p:set>
+                                    <p:animEffect transition="in" filter="fade">
+                                      <p:cBhvr>
+                                        <p:cTn id="20" dur="500"/>
+                                        <p:tgtEl>
+                                          <p:spTgt spid="3">
+                                            <p:txEl>
                                               <p:pRg st="6" end="6"/>
                                             </p:txEl>
                                           </p:spTgt>
@@ -18189,14 +18250,14 @@
                                 </p:cTn>
                               </p:par>
                               <p:par>
-                                <p:cTn id="16" presetID="10" presetClass="entr" presetSubtype="0" fill="hold" nodeType="withEffect">
+                                <p:cTn id="21" presetID="10" presetClass="entr" presetSubtype="0" fill="hold" nodeType="withEffect">
                                   <p:stCondLst>
                                     <p:cond delay="0"/>
                                   </p:stCondLst>
                                   <p:childTnLst>
                                     <p:set>
                                       <p:cBhvr>
-                                        <p:cTn id="17" dur="1" fill="hold">
+                                        <p:cTn id="22" dur="1" fill="hold">
                                           <p:stCondLst>
                                             <p:cond delay="0"/>
                                           </p:stCondLst>
@@ -18218,7 +18279,7 @@
                                     </p:set>
                                     <p:animEffect transition="in" filter="fade">
                                       <p:cBhvr>
-                                        <p:cTn id="18" dur="500"/>
+                                        <p:cTn id="23" dur="500"/>
                                         <p:tgtEl>
                                           <p:spTgt spid="3">
                                             <p:txEl>
@@ -18232,14 +18293,14 @@
                                 </p:cTn>
                               </p:par>
                               <p:par>
-                                <p:cTn id="19" presetID="10" presetClass="entr" presetSubtype="0" fill="hold" nodeType="withEffect">
+                                <p:cTn id="24" presetID="10" presetClass="entr" presetSubtype="0" fill="hold" nodeType="withEffect">
                                   <p:stCondLst>
                                     <p:cond delay="0"/>
                                   </p:stCondLst>
                                   <p:childTnLst>
                                     <p:set>
                                       <p:cBhvr>
-                                        <p:cTn id="20" dur="1" fill="hold">
+                                        <p:cTn id="25" dur="1" fill="hold">
                                           <p:stCondLst>
                                             <p:cond delay="0"/>
                                           </p:stCondLst>
@@ -18261,7 +18322,7 @@
                                     </p:set>
                                     <p:animEffect transition="in" filter="fade">
                                       <p:cBhvr>
-                                        <p:cTn id="21" dur="500"/>
+                                        <p:cTn id="26" dur="500"/>
                                         <p:tgtEl>
                                           <p:spTgt spid="3">
                                             <p:txEl>
@@ -18275,14 +18336,14 @@
                                 </p:cTn>
                               </p:par>
                               <p:par>
-                                <p:cTn id="22" presetID="10" presetClass="entr" presetSubtype="0" fill="hold" nodeType="withEffect">
+                                <p:cTn id="27" presetID="10" presetClass="entr" presetSubtype="0" fill="hold" nodeType="withEffect">
                                   <p:stCondLst>
                                     <p:cond delay="0"/>
                                   </p:stCondLst>
                                   <p:childTnLst>
                                     <p:set>
                                       <p:cBhvr>
-                                        <p:cTn id="23" dur="1" fill="hold">
+                                        <p:cTn id="28" dur="1" fill="hold">
                                           <p:stCondLst>
                                             <p:cond delay="0"/>
                                           </p:stCondLst>
@@ -18304,7 +18365,7 @@
                                     </p:set>
                                     <p:animEffect transition="in" filter="fade">
                                       <p:cBhvr>
-                                        <p:cTn id="24" dur="500"/>
+                                        <p:cTn id="29" dur="500"/>
                                         <p:tgtEl>
                                           <p:spTgt spid="3">
                                             <p:txEl>
@@ -18679,99 +18740,12 @@
           <a:chExt cx="0" cy="0"/>
         </a:xfrm>
       </p:grpSpPr>
-      <p:sp>
-        <p:nvSpPr>
-          <p:cNvPr id="2" name="Date Placeholder 1">
-            <a:extLst>
-              <a:ext uri="{FF2B5EF4-FFF2-40B4-BE49-F238E27FC236}">
-                <a16:creationId xmlns:a16="http://schemas.microsoft.com/office/drawing/2014/main" id="{B4D8E233-8674-5CBD-2331-DD7B35409500}"/>
-              </a:ext>
-            </a:extLst>
-          </p:cNvPr>
-          <p:cNvSpPr>
-            <a:spLocks noGrp="1"/>
-          </p:cNvSpPr>
-          <p:nvPr>
-            <p:ph type="dt" sz="half" idx="10"/>
-          </p:nvPr>
-        </p:nvSpPr>
-        <p:spPr/>
-        <p:txBody>
-          <a:bodyPr/>
-          <a:lstStyle/>
-          <a:p>
-            <a:r>
-              <a:rPr lang="en-US"/>
-              <a:t>ECON 300</a:t>
-            </a:r>
-            <a:endParaRPr lang="en-US" dirty="0"/>
-          </a:p>
-        </p:txBody>
-      </p:sp>
-      <p:sp>
-        <p:nvSpPr>
-          <p:cNvPr id="3" name="Footer Placeholder 2">
-            <a:extLst>
-              <a:ext uri="{FF2B5EF4-FFF2-40B4-BE49-F238E27FC236}">
-                <a16:creationId xmlns:a16="http://schemas.microsoft.com/office/drawing/2014/main" id="{862E82B2-F860-6327-9F64-C1711E73D61A}"/>
-              </a:ext>
-            </a:extLst>
-          </p:cNvPr>
-          <p:cNvSpPr>
-            <a:spLocks noGrp="1"/>
-          </p:cNvSpPr>
-          <p:nvPr>
-            <p:ph type="ftr" sz="quarter" idx="11"/>
-          </p:nvPr>
-        </p:nvSpPr>
-        <p:spPr/>
-        <p:txBody>
-          <a:bodyPr/>
-          <a:lstStyle/>
-          <a:p>
-            <a:r>
-              <a:rPr lang="en-US"/>
-              <a:t>DEPARTMENT OF BUSINESS &amp; ECONOMICS</a:t>
-            </a:r>
-            <a:endParaRPr lang="en-US" dirty="0"/>
-          </a:p>
-        </p:txBody>
-      </p:sp>
-      <p:sp>
-        <p:nvSpPr>
-          <p:cNvPr id="4" name="Slide Number Placeholder 3">
-            <a:extLst>
-              <a:ext uri="{FF2B5EF4-FFF2-40B4-BE49-F238E27FC236}">
-                <a16:creationId xmlns:a16="http://schemas.microsoft.com/office/drawing/2014/main" id="{1585BB9F-C2B3-FB07-C9B1-8EBFEBB65662}"/>
-              </a:ext>
-            </a:extLst>
-          </p:cNvPr>
-          <p:cNvSpPr>
-            <a:spLocks noGrp="1"/>
-          </p:cNvSpPr>
-          <p:nvPr>
-            <p:ph type="sldNum" sz="quarter" idx="12"/>
-          </p:nvPr>
-        </p:nvSpPr>
-        <p:spPr/>
-        <p:txBody>
-          <a:bodyPr/>
-          <a:lstStyle/>
-          <a:p>
-            <a:fld id="{1A980C56-831A-4EAB-9EDE-57C090F4F877}" type="slidenum">
-              <a:rPr lang="en-US" smtClean="0"/>
-              <a:t>9</a:t>
-            </a:fld>
-            <a:endParaRPr lang="en-US" dirty="0"/>
-          </a:p>
-        </p:txBody>
-      </p:sp>
       <p:pic>
         <p:nvPicPr>
-          <p:cNvPr id="6" name="Picture 5">
+          <p:cNvPr id="7" name="Picture 6">
             <a:extLst>
               <a:ext uri="{FF2B5EF4-FFF2-40B4-BE49-F238E27FC236}">
-                <a16:creationId xmlns:a16="http://schemas.microsoft.com/office/drawing/2014/main" id="{35609087-2935-BA0F-1C44-6E8E65F63E1E}"/>
+                <a16:creationId xmlns:a16="http://schemas.microsoft.com/office/drawing/2014/main" id="{80A48A77-7337-A326-EE36-5CDEE600016A}"/>
               </a:ext>
             </a:extLst>
           </p:cNvPr>
@@ -18806,6 +18780,93 @@
           </a:prstGeom>
         </p:spPr>
       </p:pic>
+      <p:sp>
+        <p:nvSpPr>
+          <p:cNvPr id="2" name="Date Placeholder 1">
+            <a:extLst>
+              <a:ext uri="{FF2B5EF4-FFF2-40B4-BE49-F238E27FC236}">
+                <a16:creationId xmlns:a16="http://schemas.microsoft.com/office/drawing/2014/main" id="{B4D8E233-8674-5CBD-2331-DD7B35409500}"/>
+              </a:ext>
+            </a:extLst>
+          </p:cNvPr>
+          <p:cNvSpPr>
+            <a:spLocks noGrp="1"/>
+          </p:cNvSpPr>
+          <p:nvPr>
+            <p:ph type="dt" sz="half" idx="10"/>
+          </p:nvPr>
+        </p:nvSpPr>
+        <p:spPr/>
+        <p:txBody>
+          <a:bodyPr/>
+          <a:lstStyle/>
+          <a:p>
+            <a:r>
+              <a:rPr lang="en-US"/>
+              <a:t>ECON 300</a:t>
+            </a:r>
+            <a:endParaRPr lang="en-US" dirty="0"/>
+          </a:p>
+        </p:txBody>
+      </p:sp>
+      <p:sp>
+        <p:nvSpPr>
+          <p:cNvPr id="3" name="Footer Placeholder 2">
+            <a:extLst>
+              <a:ext uri="{FF2B5EF4-FFF2-40B4-BE49-F238E27FC236}">
+                <a16:creationId xmlns:a16="http://schemas.microsoft.com/office/drawing/2014/main" id="{862E82B2-F860-6327-9F64-C1711E73D61A}"/>
+              </a:ext>
+            </a:extLst>
+          </p:cNvPr>
+          <p:cNvSpPr>
+            <a:spLocks noGrp="1"/>
+          </p:cNvSpPr>
+          <p:nvPr>
+            <p:ph type="ftr" sz="quarter" idx="11"/>
+          </p:nvPr>
+        </p:nvSpPr>
+        <p:spPr/>
+        <p:txBody>
+          <a:bodyPr/>
+          <a:lstStyle/>
+          <a:p>
+            <a:r>
+              <a:rPr lang="en-US"/>
+              <a:t>DEPARTMENT OF BUSINESS &amp; ECONOMICS</a:t>
+            </a:r>
+            <a:endParaRPr lang="en-US" dirty="0"/>
+          </a:p>
+        </p:txBody>
+      </p:sp>
+      <p:sp>
+        <p:nvSpPr>
+          <p:cNvPr id="4" name="Slide Number Placeholder 3">
+            <a:extLst>
+              <a:ext uri="{FF2B5EF4-FFF2-40B4-BE49-F238E27FC236}">
+                <a16:creationId xmlns:a16="http://schemas.microsoft.com/office/drawing/2014/main" id="{1585BB9F-C2B3-FB07-C9B1-8EBFEBB65662}"/>
+              </a:ext>
+            </a:extLst>
+          </p:cNvPr>
+          <p:cNvSpPr>
+            <a:spLocks noGrp="1"/>
+          </p:cNvSpPr>
+          <p:nvPr>
+            <p:ph type="sldNum" sz="quarter" idx="12"/>
+          </p:nvPr>
+        </p:nvSpPr>
+        <p:spPr/>
+        <p:txBody>
+          <a:bodyPr/>
+          <a:lstStyle/>
+          <a:p>
+            <a:fld id="{1A980C56-831A-4EAB-9EDE-57C090F4F877}" type="slidenum">
+              <a:rPr lang="en-US" smtClean="0"/>
+              <a:t>9</a:t>
+            </a:fld>
+            <a:endParaRPr lang="en-US" dirty="0"/>
+          </a:p>
+        </p:txBody>
+      </p:sp>
     </p:spTree>
     <p:extLst>
       <p:ext uri="{BB962C8B-B14F-4D97-AF65-F5344CB8AC3E}">
@@ -18821,19 +18882,19 @@
 
 <file path=ppt/tags/tag1.xml><?xml version="1.0" encoding="utf-8"?>
 <p:tagLst xmlns:a="http://schemas.openxmlformats.org/drawingml/2006/main" xmlns:r="http://schemas.openxmlformats.org/officeDocument/2006/relationships" xmlns:p="http://schemas.openxmlformats.org/presentationml/2006/main">
-  <p:tag name="__PE_POLL_EMBED_ID" val="32999762-ce50-4764-b0bd-f60ab9ad760c"/>
+  <p:tag name="__PE_POLL_EMBED_ID" val="354506f8-d627-4799-941f-0a8b3f871671"/>
 </p:tagLst>
 </file>
 
 <file path=ppt/tags/tag2.xml><?xml version="1.0" encoding="utf-8"?>
 <p:tagLst xmlns:a="http://schemas.openxmlformats.org/drawingml/2006/main" xmlns:r="http://schemas.openxmlformats.org/officeDocument/2006/relationships" xmlns:p="http://schemas.openxmlformats.org/presentationml/2006/main">
-  <p:tag name="__PE_POLL_EMBED_ID" val="8d8d1cda-79f2-4bf1-a928-ed5e218338e9"/>
+  <p:tag name="__PE_POLL_EMBED_ID" val="b49dce21-4d0f-455a-bbf0-d6dc6d5786bf"/>
 </p:tagLst>
 </file>
 
 <file path=ppt/tags/tag3.xml><?xml version="1.0" encoding="utf-8"?>
 <p:tagLst xmlns:a="http://schemas.openxmlformats.org/drawingml/2006/main" xmlns:r="http://schemas.openxmlformats.org/officeDocument/2006/relationships" xmlns:p="http://schemas.openxmlformats.org/presentationml/2006/main">
-  <p:tag name="__PE_POLL_EMBED_ID" val="05d98b2d-b586-4e75-87d7-bf7f54f2ea83"/>
+  <p:tag name="__PE_POLL_EMBED_ID" val="7f26ad3b-8978-4efd-be89-78cb2ad75a61"/>
 </p:tagLst>
 </file>
 
